--- a/rules.pptx
+++ b/rules.pptx
@@ -6482,14 +6482,6 @@
             <a:pPr lvl="4"/>
             <a:r>
               <a:rPr lang="en-US" dirty="0" smtClean="0"/>
-              <a:t>King	-	150 points</a:t>
-            </a:r>
-            <a:endParaRPr lang="en-US" dirty="0" smtClean="0"/>
-          </a:p>
-          <a:p>
-            <a:pPr lvl="4"/>
-            <a:r>
-              <a:rPr lang="en-US" dirty="0" smtClean="0"/>
               <a:t>Knight 	- 	50 points</a:t>
             </a:r>
             <a:endParaRPr lang="en-US" dirty="0" smtClean="0"/>
@@ -6755,15 +6747,33 @@
                                   </p:childTnLst>
                                 </p:cTn>
                               </p:par>
+                            </p:childTnLst>
+                          </p:cTn>
+                        </p:par>
+                      </p:childTnLst>
+                    </p:cTn>
+                  </p:par>
+                  <p:par>
+                    <p:cTn id="17" fill="hold">
+                      <p:stCondLst>
+                        <p:cond delay="indefinite"/>
+                      </p:stCondLst>
+                      <p:childTnLst>
+                        <p:par>
+                          <p:cTn id="18" fill="hold">
+                            <p:stCondLst>
+                              <p:cond delay="0"/>
+                            </p:stCondLst>
+                            <p:childTnLst>
                               <p:par>
-                                <p:cTn id="17" presetID="10" presetClass="entr" presetSubtype="0" fill="hold" grpId="0" nodeType="withEffect">
+                                <p:cTn id="19" presetID="10" presetClass="entr" presetSubtype="0" fill="hold" grpId="0" nodeType="clickEffect">
                                   <p:stCondLst>
                                     <p:cond delay="0"/>
                                   </p:stCondLst>
                                   <p:childTnLst>
                                     <p:set>
                                       <p:cBhvr>
-                                        <p:cTn id="18" dur="1" fill="hold">
+                                        <p:cTn id="20" dur="1" fill="hold">
                                           <p:stCondLst>
                                             <p:cond delay="0"/>
                                           </p:stCondLst>
@@ -6785,7 +6795,7 @@
                                     </p:set>
                                     <p:animEffect transition="in" filter="fade">
                                       <p:cBhvr>
-                                        <p:cTn id="19" dur="500"/>
+                                        <p:cTn id="21" dur="500"/>
                                         <p:tgtEl>
                                           <p:spTgt spid="2">
                                             <p:txEl>
@@ -6805,26 +6815,26 @@
                     </p:cTn>
                   </p:par>
                   <p:par>
-                    <p:cTn id="20" fill="hold">
+                    <p:cTn id="22" fill="hold">
                       <p:stCondLst>
                         <p:cond delay="indefinite"/>
                       </p:stCondLst>
                       <p:childTnLst>
                         <p:par>
-                          <p:cTn id="21" fill="hold">
+                          <p:cTn id="23" fill="hold">
                             <p:stCondLst>
                               <p:cond delay="0"/>
                             </p:stCondLst>
                             <p:childTnLst>
                               <p:par>
-                                <p:cTn id="22" presetID="10" presetClass="entr" presetSubtype="0" fill="hold" grpId="0" nodeType="clickEffect">
+                                <p:cTn id="24" presetID="10" presetClass="entr" presetSubtype="0" fill="hold" grpId="0" nodeType="clickEffect">
                                   <p:stCondLst>
                                     <p:cond delay="0"/>
                                   </p:stCondLst>
                                   <p:childTnLst>
                                     <p:set>
                                       <p:cBhvr>
-                                        <p:cTn id="23" dur="1" fill="hold">
+                                        <p:cTn id="25" dur="1" fill="hold">
                                           <p:stCondLst>
                                             <p:cond delay="0"/>
                                           </p:stCondLst>
@@ -6846,72 +6856,11 @@
                                     </p:set>
                                     <p:animEffect transition="in" filter="fade">
                                       <p:cBhvr>
-                                        <p:cTn id="24" dur="500"/>
+                                        <p:cTn id="26" dur="500"/>
                                         <p:tgtEl>
                                           <p:spTgt spid="2">
                                             <p:txEl>
                                               <p:pRg st="5" end="5"/>
-                                            </p:txEl>
-                                          </p:spTgt>
-                                        </p:tgtEl>
-                                      </p:cBhvr>
-                                    </p:animEffect>
-                                  </p:childTnLst>
-                                </p:cTn>
-                              </p:par>
-                            </p:childTnLst>
-                          </p:cTn>
-                        </p:par>
-                      </p:childTnLst>
-                    </p:cTn>
-                  </p:par>
-                  <p:par>
-                    <p:cTn id="25" fill="hold">
-                      <p:stCondLst>
-                        <p:cond delay="indefinite"/>
-                      </p:stCondLst>
-                      <p:childTnLst>
-                        <p:par>
-                          <p:cTn id="26" fill="hold">
-                            <p:stCondLst>
-                              <p:cond delay="0"/>
-                            </p:stCondLst>
-                            <p:childTnLst>
-                              <p:par>
-                                <p:cTn id="27" presetID="10" presetClass="entr" presetSubtype="0" fill="hold" grpId="0" nodeType="clickEffect">
-                                  <p:stCondLst>
-                                    <p:cond delay="0"/>
-                                  </p:stCondLst>
-                                  <p:childTnLst>
-                                    <p:set>
-                                      <p:cBhvr>
-                                        <p:cTn id="28" dur="1" fill="hold">
-                                          <p:stCondLst>
-                                            <p:cond delay="0"/>
-                                          </p:stCondLst>
-                                        </p:cTn>
-                                        <p:tgtEl>
-                                          <p:spTgt spid="2">
-                                            <p:txEl>
-                                              <p:pRg st="6" end="6"/>
-                                            </p:txEl>
-                                          </p:spTgt>
-                                        </p:tgtEl>
-                                        <p:attrNameLst>
-                                          <p:attrName>style.visibility</p:attrName>
-                                        </p:attrNameLst>
-                                      </p:cBhvr>
-                                      <p:to>
-                                        <p:strVal val="visible"/>
-                                      </p:to>
-                                    </p:set>
-                                    <p:animEffect transition="in" filter="fade">
-                                      <p:cBhvr>
-                                        <p:cTn id="29" dur="500"/>
-                                        <p:tgtEl>
-                                          <p:spTgt spid="2">
-                                            <p:txEl>
-                                              <p:pRg st="6" end="6"/>
                                             </p:txEl>
                                           </p:spTgt>
                                         </p:tgtEl>
@@ -8548,7 +8497,7 @@
                 <a:latin typeface="Book Antiqua" panose="02040602050305030304"/>
                 <a:sym typeface="Symbol" panose="05050102010706020507"/>
               </a:rPr>
-              <a:t>º(white) or anti-clockwise(black).</a:t>
+              <a:t>º( for white) or anti-clockwise(for black).</a:t>
             </a:r>
             <a:r>
               <a:rPr lang="en-US" dirty="0"/>
@@ -8871,7 +8820,7 @@
           <a:p>
             <a:r>
               <a:rPr lang="en-US" dirty="0" smtClean="0"/>
-              <a:t>To Rotate a Room, just click on the respective Rotate gear button on the left side of the screen.</a:t>
+              <a:t>To Rotate a Room, just click on the respective Rotate gear button on the screen.</a:t>
             </a:r>
             <a:endParaRPr lang="en-US" dirty="0" smtClean="0"/>
           </a:p>
@@ -9202,18 +9151,23 @@
             <p:ph idx="1"/>
           </p:nvPr>
         </p:nvSpPr>
-        <p:spPr/>
+        <p:spPr>
+          <a:xfrm>
+            <a:off x="-635" y="2063115"/>
+            <a:ext cx="9144635" cy="4528820"/>
+          </a:xfrm>
+        </p:spPr>
         <p:txBody>
           <a:bodyPr>
-            <a:normAutofit fontScale="87500" lnSpcReduction="20000"/>
+            <a:noAutofit/>
           </a:bodyPr>
           <a:lstStyle/>
           <a:p>
             <a:r>
-              <a:rPr lang="en-US" dirty="0" smtClean="0"/>
+              <a:rPr lang="en-US" sz="2000" dirty="0" smtClean="0"/>
               <a:t>You may leave the dungeon in different scenarios :</a:t>
             </a:r>
-            <a:endParaRPr lang="en-US" dirty="0" smtClean="0"/>
+            <a:endParaRPr lang="en-US" sz="2000" dirty="0" smtClean="0"/>
           </a:p>
           <a:p>
             <a:pPr lvl="1">
@@ -9221,26 +9175,32 @@
               <a:buChar char="q"/>
             </a:pPr>
             <a:r>
-              <a:rPr lang="en-US" dirty="0" smtClean="0"/>
+              <a:rPr lang="en-US" sz="2000" dirty="0" smtClean="0"/>
               <a:t>The </a:t>
             </a:r>
             <a:r>
-              <a:rPr lang="en-US" dirty="0"/>
+              <a:rPr lang="en-US" sz="2000" dirty="0"/>
               <a:t>opponent is defeated if his King is </a:t>
             </a:r>
             <a:r>
-              <a:rPr lang="en-US" dirty="0" smtClean="0"/>
+              <a:rPr lang="en-US" sz="2000" dirty="0" smtClean="0"/>
               <a:t>killed =&gt; </a:t>
             </a:r>
             <a:r>
-              <a:rPr lang="en-US" dirty="0"/>
+              <a:rPr lang="en-US" sz="2000" dirty="0"/>
               <a:t>The game ends and you escape the Labyrinth</a:t>
             </a:r>
             <a:r>
-              <a:rPr lang="en-US" dirty="0" smtClean="0"/>
+              <a:rPr lang="en-US" sz="2000" dirty="0" smtClean="0"/>
               <a:t>.</a:t>
             </a:r>
-            <a:endParaRPr lang="en-US" dirty="0" smtClean="0"/>
+            <a:r>
+              <a:rPr lang="en-US" sz="2000" dirty="0">
+                <a:sym typeface="+mn-ea"/>
+              </a:rPr>
+              <a:t>this is intense game and not like chess, so it doesn't have check , checkmate and stalemate, you have to kill the king to win</a:t>
+            </a:r>
+            <a:endParaRPr lang="en-US" sz="2000" dirty="0" smtClean="0"/>
           </a:p>
           <a:p>
             <a:pPr lvl="1">
@@ -9248,10 +9208,10 @@
               <a:buChar char="q"/>
             </a:pPr>
             <a:r>
-              <a:rPr lang="en-US" dirty="0" smtClean="0"/>
+              <a:rPr lang="en-US" sz="2000" dirty="0" smtClean="0"/>
               <a:t>A player runs out of his time =&gt; His forces are down and the other player can escape the Labyrinth without any fear.</a:t>
             </a:r>
-            <a:endParaRPr lang="en-US" dirty="0" smtClean="0"/>
+            <a:endParaRPr lang="en-US" sz="2000" dirty="0" smtClean="0"/>
           </a:p>
           <a:p>
             <a:pPr lvl="1">
@@ -9259,83 +9219,80 @@
               <a:buChar char="q"/>
             </a:pPr>
             <a:r>
-              <a:rPr lang="en-US" dirty="0" smtClean="0"/>
+              <a:rPr lang="en-US" sz="2000" dirty="0" smtClean="0"/>
               <a:t>if any player gives up, and resigns.</a:t>
             </a:r>
-            <a:endParaRPr lang="en-US" dirty="0" smtClean="0"/>
+            <a:endParaRPr lang="en-US" sz="2000" dirty="0" smtClean="0"/>
+          </a:p>
+          <a:p>
+            <a:pPr lvl="1">
+              <a:buFont typeface="Wingdings" panose="05000000000000000000" pitchFamily="2" charset="2"/>
+              <a:buChar char="q"/>
+            </a:pPr>
+            <a:endParaRPr lang="en-US" sz="2000" dirty="0"/>
           </a:p>
           <a:p>
             <a:pPr marL="0" indent="0">
               <a:buNone/>
             </a:pPr>
             <a:r>
-              <a:rPr lang="en-US" dirty="0"/>
-              <a:t>			</a:t>
-            </a:r>
-            <a:endParaRPr lang="en-US" dirty="0"/>
+              <a:rPr lang="en-US" sz="2000" dirty="0" smtClean="0"/>
+              <a:t>Each of the player gets points according to his performance in the game.</a:t>
+            </a:r>
+            <a:endParaRPr lang="en-US" sz="2000" dirty="0" smtClean="0"/>
           </a:p>
           <a:p>
             <a:pPr marL="0" indent="0">
               <a:buNone/>
             </a:pPr>
             <a:r>
-              <a:rPr lang="en-US" dirty="0" smtClean="0"/>
-              <a:t>Each of the player gets points according to his performance in the game.</a:t>
-            </a:r>
-            <a:endParaRPr lang="en-US" dirty="0" smtClean="0"/>
+              <a:rPr lang="en-US" sz="2000" dirty="0" smtClean="0"/>
+              <a:t>   </a:t>
+            </a:r>
+            <a:endParaRPr lang="en-US" sz="2000" dirty="0" smtClean="0"/>
           </a:p>
           <a:p>
             <a:pPr marL="0" indent="0">
               <a:buNone/>
             </a:pPr>
             <a:r>
-              <a:rPr lang="en-US" dirty="0" smtClean="0"/>
-              <a:t>   </a:t>
-            </a:r>
-            <a:endParaRPr lang="en-US" dirty="0" smtClean="0"/>
+              <a:rPr lang="en-US" sz="2000" dirty="0"/>
+              <a:t>	</a:t>
+            </a:r>
+            <a:r>
+              <a:rPr lang="en-US" sz="2000" dirty="0" smtClean="0"/>
+              <a:t>	 </a:t>
+            </a:r>
+            <a:r>
+              <a:rPr lang="en-US" sz="2000" dirty="0"/>
+              <a:t>But!!! Do not rest </a:t>
+            </a:r>
+            <a:r>
+              <a:rPr lang="en-US" sz="2000" dirty="0" smtClean="0"/>
+              <a:t>here…..</a:t>
+            </a:r>
+            <a:endParaRPr lang="en-US" sz="2000" dirty="0"/>
           </a:p>
           <a:p>
             <a:pPr marL="0" indent="0">
               <a:buNone/>
             </a:pPr>
             <a:r>
-              <a:rPr lang="en-US" dirty="0"/>
-              <a:t>	</a:t>
-            </a:r>
-            <a:r>
-              <a:rPr lang="en-US" dirty="0" smtClean="0"/>
-              <a:t>	 </a:t>
-            </a:r>
-            <a:r>
-              <a:rPr lang="en-US" dirty="0"/>
-              <a:t>But!!! Do not rest </a:t>
-            </a:r>
-            <a:r>
-              <a:rPr lang="en-US" dirty="0" smtClean="0"/>
-              <a:t>here…..</a:t>
-            </a:r>
-            <a:endParaRPr lang="en-US" dirty="0"/>
-          </a:p>
-          <a:p>
-            <a:pPr marL="0" indent="0">
-              <a:buNone/>
-            </a:pPr>
-            <a:r>
-              <a:rPr lang="en-US" dirty="0"/>
+              <a:rPr lang="en-US" sz="2000" dirty="0"/>
               <a:t>There are many more deepest Dungeons you need to escape by defeating </a:t>
             </a:r>
             <a:r>
-              <a:rPr lang="en-US" dirty="0" smtClean="0"/>
+              <a:rPr lang="en-US" sz="2000" dirty="0" smtClean="0"/>
               <a:t>your </a:t>
             </a:r>
             <a:r>
-              <a:rPr lang="en-US" dirty="0"/>
+              <a:rPr lang="en-US" sz="2000" dirty="0"/>
               <a:t>enemy forces.</a:t>
             </a:r>
-            <a:endParaRPr lang="en-US" dirty="0"/>
-          </a:p>
-          <a:p>
-            <a:endParaRPr lang="en-US" dirty="0"/>
+            <a:endParaRPr lang="en-US" sz="2000" dirty="0"/>
+          </a:p>
+          <a:p>
+            <a:endParaRPr lang="en-US" sz="1300" dirty="0"/>
           </a:p>
         </p:txBody>
       </p:sp>
@@ -9593,7 +9550,7 @@
                                         <p:tgtEl>
                                           <p:spTgt spid="3">
                                             <p:txEl>
-                                              <p:pRg st="4" end="4"/>
+                                              <p:pRg st="5" end="5"/>
                                             </p:txEl>
                                           </p:spTgt>
                                         </p:tgtEl>
@@ -9611,7 +9568,7 @@
                                         <p:tgtEl>
                                           <p:spTgt spid="3">
                                             <p:txEl>
-                                              <p:pRg st="4" end="4"/>
+                                              <p:pRg st="5" end="5"/>
                                             </p:txEl>
                                           </p:spTgt>
                                         </p:tgtEl>
@@ -9654,7 +9611,7 @@
                                         <p:tgtEl>
                                           <p:spTgt spid="3">
                                             <p:txEl>
-                                              <p:pRg st="5" end="5"/>
+                                              <p:pRg st="6" end="6"/>
                                             </p:txEl>
                                           </p:spTgt>
                                         </p:tgtEl>
@@ -9672,7 +9629,7 @@
                                         <p:tgtEl>
                                           <p:spTgt spid="3">
                                             <p:txEl>
-                                              <p:pRg st="5" end="5"/>
+                                              <p:pRg st="6" end="6"/>
                                             </p:txEl>
                                           </p:spTgt>
                                         </p:tgtEl>
@@ -9715,7 +9672,7 @@
                                         <p:tgtEl>
                                           <p:spTgt spid="3">
                                             <p:txEl>
-                                              <p:pRg st="6" end="6"/>
+                                              <p:pRg st="7" end="7"/>
                                             </p:txEl>
                                           </p:spTgt>
                                         </p:tgtEl>
@@ -9733,7 +9690,7 @@
                                         <p:tgtEl>
                                           <p:spTgt spid="3">
                                             <p:txEl>
-                                              <p:pRg st="6" end="6"/>
+                                              <p:pRg st="7" end="7"/>
                                             </p:txEl>
                                           </p:spTgt>
                                         </p:tgtEl>
@@ -9776,7 +9733,7 @@
                                         <p:tgtEl>
                                           <p:spTgt spid="3">
                                             <p:txEl>
-                                              <p:pRg st="7" end="7"/>
+                                              <p:pRg st="8" end="8"/>
                                             </p:txEl>
                                           </p:spTgt>
                                         </p:tgtEl>
@@ -9791,67 +9748,6 @@
                                     <p:animEffect transition="in" filter="fade">
                                       <p:cBhvr>
                                         <p:cTn id="36" dur="500"/>
-                                        <p:tgtEl>
-                                          <p:spTgt spid="3">
-                                            <p:txEl>
-                                              <p:pRg st="7" end="7"/>
-                                            </p:txEl>
-                                          </p:spTgt>
-                                        </p:tgtEl>
-                                      </p:cBhvr>
-                                    </p:animEffect>
-                                  </p:childTnLst>
-                                </p:cTn>
-                              </p:par>
-                            </p:childTnLst>
-                          </p:cTn>
-                        </p:par>
-                      </p:childTnLst>
-                    </p:cTn>
-                  </p:par>
-                  <p:par>
-                    <p:cTn id="37" fill="hold">
-                      <p:stCondLst>
-                        <p:cond delay="indefinite"/>
-                      </p:stCondLst>
-                      <p:childTnLst>
-                        <p:par>
-                          <p:cTn id="38" fill="hold">
-                            <p:stCondLst>
-                              <p:cond delay="0"/>
-                            </p:stCondLst>
-                            <p:childTnLst>
-                              <p:par>
-                                <p:cTn id="39" presetID="10" presetClass="entr" presetSubtype="0" fill="hold" grpId="0" nodeType="clickEffect">
-                                  <p:stCondLst>
-                                    <p:cond delay="0"/>
-                                  </p:stCondLst>
-                                  <p:childTnLst>
-                                    <p:set>
-                                      <p:cBhvr>
-                                        <p:cTn id="40" dur="1" fill="hold">
-                                          <p:stCondLst>
-                                            <p:cond delay="0"/>
-                                          </p:stCondLst>
-                                        </p:cTn>
-                                        <p:tgtEl>
-                                          <p:spTgt spid="3">
-                                            <p:txEl>
-                                              <p:pRg st="8" end="8"/>
-                                            </p:txEl>
-                                          </p:spTgt>
-                                        </p:tgtEl>
-                                        <p:attrNameLst>
-                                          <p:attrName>style.visibility</p:attrName>
-                                        </p:attrNameLst>
-                                      </p:cBhvr>
-                                      <p:to>
-                                        <p:strVal val="visible"/>
-                                      </p:to>
-                                    </p:set>
-                                    <p:animEffect transition="in" filter="fade">
-                                      <p:cBhvr>
-                                        <p:cTn id="41" dur="500"/>
                                         <p:tgtEl>
                                           <p:spTgt spid="3">
                                             <p:txEl>

--- a/rules.pptx
+++ b/rules.pptx
@@ -6523,6 +6523,16 @@
             <a:pPr marL="0" indent="0">
               <a:buNone/>
             </a:pPr>
+            <a:r>
+              <a:rPr lang="en-US" dirty="0" smtClean="0"/>
+              <a:t>if you win ,50 pts</a:t>
+            </a:r>
+            <a:endParaRPr lang="en-US" dirty="0" smtClean="0"/>
+          </a:p>
+          <a:p>
+            <a:pPr marL="0" indent="0">
+              <a:buNone/>
+            </a:pPr>
             <a:endParaRPr lang="en-US" dirty="0" smtClean="0"/>
           </a:p>
         </p:txBody>
@@ -6861,6 +6871,67 @@
                                           <p:spTgt spid="2">
                                             <p:txEl>
                                               <p:pRg st="5" end="5"/>
+                                            </p:txEl>
+                                          </p:spTgt>
+                                        </p:tgtEl>
+                                      </p:cBhvr>
+                                    </p:animEffect>
+                                  </p:childTnLst>
+                                </p:cTn>
+                              </p:par>
+                            </p:childTnLst>
+                          </p:cTn>
+                        </p:par>
+                      </p:childTnLst>
+                    </p:cTn>
+                  </p:par>
+                  <p:par>
+                    <p:cTn id="27" fill="hold">
+                      <p:stCondLst>
+                        <p:cond delay="indefinite"/>
+                      </p:stCondLst>
+                      <p:childTnLst>
+                        <p:par>
+                          <p:cTn id="28" fill="hold">
+                            <p:stCondLst>
+                              <p:cond delay="0"/>
+                            </p:stCondLst>
+                            <p:childTnLst>
+                              <p:par>
+                                <p:cTn id="29" presetID="10" presetClass="entr" presetSubtype="0" fill="hold" grpId="0" nodeType="clickEffect">
+                                  <p:stCondLst>
+                                    <p:cond delay="0"/>
+                                  </p:stCondLst>
+                                  <p:childTnLst>
+                                    <p:set>
+                                      <p:cBhvr>
+                                        <p:cTn id="30" dur="1" fill="hold">
+                                          <p:stCondLst>
+                                            <p:cond delay="0"/>
+                                          </p:stCondLst>
+                                        </p:cTn>
+                                        <p:tgtEl>
+                                          <p:spTgt spid="2">
+                                            <p:txEl>
+                                              <p:pRg st="6" end="6"/>
+                                            </p:txEl>
+                                          </p:spTgt>
+                                        </p:tgtEl>
+                                        <p:attrNameLst>
+                                          <p:attrName>style.visibility</p:attrName>
+                                        </p:attrNameLst>
+                                      </p:cBhvr>
+                                      <p:to>
+                                        <p:strVal val="visible"/>
+                                      </p:to>
+                                    </p:set>
+                                    <p:animEffect transition="in" filter="fade">
+                                      <p:cBhvr>
+                                        <p:cTn id="31" dur="500"/>
+                                        <p:tgtEl>
+                                          <p:spTgt spid="2">
+                                            <p:txEl>
+                                              <p:pRg st="6" end="6"/>
                                             </p:txEl>
                                           </p:spTgt>
                                         </p:tgtEl>
